--- a/IB516 Analytical Workflows/Project Proposal Slides.pptx
+++ b/IB516 Analytical Workflows/Project Proposal Slides.pptx
@@ -3486,13 +3486,8 @@
           <a:p>
             <a:r>
               <a:rPr lang="en-US" dirty="0"/>
-              <a:t>I am in this course to learn best practices for establishing reproducible data </a:t>
-            </a:r>
-            <a:r>
-              <a:rPr lang="en-US"/>
-              <a:t>workflow pipelines</a:t>
-            </a:r>
-            <a:endParaRPr lang="en-US" dirty="0"/>
+              <a:t>I am in the beginning stages of establishing an eDNA metabarcoding pipeline, and am in this class to learn how to create a manageable and reproducible project structure</a:t>
+            </a:r>
           </a:p>
         </p:txBody>
       </p:sp>

--- a/IB516 Analytical Workflows/Project Proposal Slides.pptx
+++ b/IB516 Analytical Workflows/Project Proposal Slides.pptx
@@ -3311,6 +3311,14 @@
 <file path=ppt/slides/slide1.xml><?xml version="1.0" encoding="utf-8"?>
 <p:sld xmlns:a="http://schemas.openxmlformats.org/drawingml/2006/main" xmlns:r="http://schemas.openxmlformats.org/officeDocument/2006/relationships" xmlns:p="http://schemas.openxmlformats.org/presentationml/2006/main">
   <p:cSld>
+    <p:bg>
+      <p:bgPr>
+        <a:solidFill>
+          <a:schemeClr val="bg1"/>
+        </a:solidFill>
+        <a:effectLst/>
+      </p:bgPr>
+    </p:bg>
     <p:spTree>
       <p:nvGrpSpPr>
         <p:cNvPr id="1" name=""/>
@@ -3325,6 +3333,195 @@
           <a:chExt cx="0" cy="0"/>
         </a:xfrm>
       </p:grpSpPr>
+      <p:sp useBgFill="1">
+        <p:nvSpPr>
+          <p:cNvPr id="8" name="Rectangle 7">
+            <a:extLst>
+              <a:ext uri="{FF2B5EF4-FFF2-40B4-BE49-F238E27FC236}">
+                <a16:creationId xmlns:a16="http://schemas.microsoft.com/office/drawing/2014/main" id="{934F1179-B481-4F9E-BCA3-AFB972070F83}"/>
+              </a:ext>
+              <a:ext uri="{C183D7F6-B498-43B3-948B-1728B52AA6E4}">
+                <adec:decorative xmlns:adec="http://schemas.microsoft.com/office/drawing/2017/decorative" val="1"/>
+              </a:ext>
+            </a:extLst>
+          </p:cNvPr>
+          <p:cNvSpPr>
+            <a:spLocks noGrp="1" noRot="1" noChangeAspect="1" noMove="1" noResize="1" noEditPoints="1" noAdjustHandles="1" noChangeArrowheads="1" noChangeShapeType="1" noTextEdit="1"/>
+          </p:cNvSpPr>
+          <p:nvPr>
+            <p:extLst>
+              <p:ext uri="{386F3935-93C4-4BCD-93E2-E3B085C9AB24}">
+                <p16:designElem xmlns:p16="http://schemas.microsoft.com/office/powerpoint/2015/main" val="1"/>
+              </p:ext>
+            </p:extLst>
+          </p:nvPr>
+        </p:nvSpPr>
+        <p:spPr>
+          <a:xfrm>
+            <a:off x="0" y="0"/>
+            <a:ext cx="12192000" cy="6858000"/>
+          </a:xfrm>
+          <a:prstGeom prst="rect">
+            <a:avLst/>
+          </a:prstGeom>
+          <a:ln>
+            <a:noFill/>
+          </a:ln>
+        </p:spPr>
+        <p:style>
+          <a:lnRef idx="2">
+            <a:schemeClr val="accent1">
+              <a:shade val="50000"/>
+            </a:schemeClr>
+          </a:lnRef>
+          <a:fillRef idx="1">
+            <a:schemeClr val="accent1"/>
+          </a:fillRef>
+          <a:effectRef idx="0">
+            <a:schemeClr val="accent1"/>
+          </a:effectRef>
+          <a:fontRef idx="minor">
+            <a:schemeClr val="lt1"/>
+          </a:fontRef>
+        </p:style>
+        <p:txBody>
+          <a:bodyPr rtlCol="0" anchor="ctr"/>
+          <a:lstStyle/>
+          <a:p>
+            <a:pPr algn="ctr"/>
+            <a:endParaRPr lang="en-US"/>
+          </a:p>
+        </p:txBody>
+      </p:sp>
+      <p:sp>
+        <p:nvSpPr>
+          <p:cNvPr id="10" name="Right Triangle 9">
+            <a:extLst>
+              <a:ext uri="{FF2B5EF4-FFF2-40B4-BE49-F238E27FC236}">
+                <a16:creationId xmlns:a16="http://schemas.microsoft.com/office/drawing/2014/main" id="{827DC2C4-B485-428A-BF4A-472D2967F47F}"/>
+              </a:ext>
+              <a:ext uri="{C183D7F6-B498-43B3-948B-1728B52AA6E4}">
+                <adec:decorative xmlns:adec="http://schemas.microsoft.com/office/drawing/2017/decorative" val="1"/>
+              </a:ext>
+            </a:extLst>
+          </p:cNvPr>
+          <p:cNvSpPr>
+            <a:spLocks noGrp="1" noRot="1" noChangeAspect="1" noMove="1" noResize="1" noEditPoints="1" noAdjustHandles="1" noChangeArrowheads="1" noChangeShapeType="1" noTextEdit="1"/>
+          </p:cNvSpPr>
+          <p:nvPr>
+            <p:extLst>
+              <p:ext uri="{386F3935-93C4-4BCD-93E2-E3B085C9AB24}">
+                <p16:designElem xmlns:p16="http://schemas.microsoft.com/office/powerpoint/2015/main" val="1"/>
+              </p:ext>
+            </p:extLst>
+          </p:nvPr>
+        </p:nvSpPr>
+        <p:spPr>
+          <a:xfrm flipH="1">
+            <a:off x="8576720" y="3335867"/>
+            <a:ext cx="3291840" cy="3200400"/>
+          </a:xfrm>
+          <a:prstGeom prst="rtTriangle">
+            <a:avLst/>
+          </a:prstGeom>
+          <a:solidFill>
+            <a:schemeClr val="accent4"/>
+          </a:solidFill>
+          <a:ln>
+            <a:noFill/>
+          </a:ln>
+        </p:spPr>
+        <p:style>
+          <a:lnRef idx="2">
+            <a:schemeClr val="accent1">
+              <a:shade val="50000"/>
+            </a:schemeClr>
+          </a:lnRef>
+          <a:fillRef idx="1">
+            <a:schemeClr val="accent1"/>
+          </a:fillRef>
+          <a:effectRef idx="0">
+            <a:schemeClr val="accent1"/>
+          </a:effectRef>
+          <a:fontRef idx="minor">
+            <a:schemeClr val="lt1"/>
+          </a:fontRef>
+        </p:style>
+        <p:txBody>
+          <a:bodyPr rtlCol="0" anchor="ctr"/>
+          <a:lstStyle/>
+          <a:p>
+            <a:pPr algn="ctr"/>
+            <a:endParaRPr lang="en-US" dirty="0"/>
+          </a:p>
+        </p:txBody>
+      </p:sp>
+      <p:sp>
+        <p:nvSpPr>
+          <p:cNvPr id="12" name="Rectangle 11">
+            <a:extLst>
+              <a:ext uri="{FF2B5EF4-FFF2-40B4-BE49-F238E27FC236}">
+                <a16:creationId xmlns:a16="http://schemas.microsoft.com/office/drawing/2014/main" id="{EE04B5EB-F158-4507-90DD-BD23620C7CC9}"/>
+              </a:ext>
+              <a:ext uri="{C183D7F6-B498-43B3-948B-1728B52AA6E4}">
+                <adec:decorative xmlns:adec="http://schemas.microsoft.com/office/drawing/2017/decorative" val="1"/>
+              </a:ext>
+            </a:extLst>
+          </p:cNvPr>
+          <p:cNvSpPr>
+            <a:spLocks noGrp="1" noRot="1" noChangeAspect="1" noMove="1" noResize="1" noEditPoints="1" noAdjustHandles="1" noChangeArrowheads="1" noChangeShapeType="1" noTextEdit="1"/>
+          </p:cNvSpPr>
+          <p:nvPr>
+            <p:extLst>
+              <p:ext uri="{386F3935-93C4-4BCD-93E2-E3B085C9AB24}">
+                <p16:designElem xmlns:p16="http://schemas.microsoft.com/office/powerpoint/2015/main" val="1"/>
+              </p:ext>
+            </p:extLst>
+          </p:nvPr>
+        </p:nvSpPr>
+        <p:spPr>
+          <a:xfrm>
+            <a:off x="641774" y="623275"/>
+            <a:ext cx="10905053" cy="5607882"/>
+          </a:xfrm>
+          <a:prstGeom prst="rect">
+            <a:avLst/>
+          </a:prstGeom>
+          <a:noFill/>
+          <a:ln w="19050">
+            <a:solidFill>
+              <a:schemeClr val="tx1">
+                <a:lumMod val="75000"/>
+                <a:lumOff val="25000"/>
+              </a:schemeClr>
+            </a:solidFill>
+          </a:ln>
+        </p:spPr>
+        <p:style>
+          <a:lnRef idx="2">
+            <a:schemeClr val="accent1">
+              <a:shade val="50000"/>
+            </a:schemeClr>
+          </a:lnRef>
+          <a:fillRef idx="1">
+            <a:schemeClr val="accent1"/>
+          </a:fillRef>
+          <a:effectRef idx="0">
+            <a:schemeClr val="accent1"/>
+          </a:effectRef>
+          <a:fontRef idx="minor">
+            <a:schemeClr val="lt1"/>
+          </a:fontRef>
+        </p:style>
+        <p:txBody>
+          <a:bodyPr rtlCol="0" anchor="ctr"/>
+          <a:lstStyle/>
+          <a:p>
+            <a:pPr algn="ctr"/>
+            <a:endParaRPr lang="en-US"/>
+          </a:p>
+        </p:txBody>
+      </p:sp>
       <p:sp>
         <p:nvSpPr>
           <p:cNvPr id="2" name="Title 1">
@@ -3341,20 +3538,28 @@
             <p:ph type="ctrTitle"/>
           </p:nvPr>
         </p:nvSpPr>
-        <p:spPr/>
-        <p:txBody>
-          <a:bodyPr/>
-          <a:lstStyle/>
-          <a:p>
-            <a:r>
-              <a:rPr lang="en-US" dirty="0"/>
+        <p:spPr>
+          <a:xfrm>
+            <a:off x="1285241" y="1008993"/>
+            <a:ext cx="9231410" cy="3542045"/>
+          </a:xfrm>
+        </p:spPr>
+        <p:txBody>
+          <a:bodyPr anchor="b">
+            <a:normAutofit/>
+          </a:bodyPr>
+          <a:lstStyle/>
+          <a:p>
+            <a:pPr algn="l"/>
+            <a:r>
+              <a:rPr lang="en-US" sz="8100"/>
               <a:t>IB516 Analytical Workflows </a:t>
             </a:r>
             <a:br>
-              <a:rPr lang="en-US" dirty="0"/>
+              <a:rPr lang="en-US" sz="8100"/>
             </a:br>
             <a:r>
-              <a:rPr lang="en-US" dirty="0"/>
+              <a:rPr lang="en-US" sz="8100"/>
               <a:t>Project Presentation</a:t>
             </a:r>
           </a:p>
@@ -3376,15 +3581,24 @@
             <p:ph type="subTitle" idx="1"/>
           </p:nvPr>
         </p:nvSpPr>
-        <p:spPr/>
-        <p:txBody>
-          <a:bodyPr/>
-          <a:lstStyle/>
-          <a:p>
+        <p:spPr>
+          <a:xfrm>
+            <a:off x="1285241" y="4582814"/>
+            <a:ext cx="7132335" cy="1312657"/>
+          </a:xfrm>
+        </p:spPr>
+        <p:txBody>
+          <a:bodyPr anchor="t">
+            <a:normAutofit/>
+          </a:bodyPr>
+          <a:lstStyle/>
+          <a:p>
+            <a:pPr algn="l"/>
             <a:r>
               <a:rPr lang="en-US" dirty="0"/>
               <a:t>Jared Freedman</a:t>
             </a:r>
+            <a:endParaRPr lang="en-US"/>
           </a:p>
         </p:txBody>
       </p:sp>
@@ -3404,6 +3618,14 @@
 <file path=ppt/slides/slide2.xml><?xml version="1.0" encoding="utf-8"?>
 <p:sld xmlns:a="http://schemas.openxmlformats.org/drawingml/2006/main" xmlns:r="http://schemas.openxmlformats.org/officeDocument/2006/relationships" xmlns:p="http://schemas.openxmlformats.org/presentationml/2006/main">
   <p:cSld>
+    <p:bg>
+      <p:bgPr>
+        <a:solidFill>
+          <a:schemeClr val="bg1"/>
+        </a:solidFill>
+        <a:effectLst/>
+      </p:bgPr>
+    </p:bg>
     <p:spTree>
       <p:nvGrpSpPr>
         <p:cNvPr id="1" name=""/>
@@ -3418,6 +3640,382 @@
           <a:chExt cx="0" cy="0"/>
         </a:xfrm>
       </p:grpSpPr>
+      <p:sp useBgFill="1">
+        <p:nvSpPr>
+          <p:cNvPr id="8" name="Rectangle 7">
+            <a:extLst>
+              <a:ext uri="{FF2B5EF4-FFF2-40B4-BE49-F238E27FC236}">
+                <a16:creationId xmlns:a16="http://schemas.microsoft.com/office/drawing/2014/main" id="{081EA652-8C6A-4E69-BEB9-170809474553}"/>
+              </a:ext>
+              <a:ext uri="{C183D7F6-B498-43B3-948B-1728B52AA6E4}">
+                <adec:decorative xmlns:adec="http://schemas.microsoft.com/office/drawing/2017/decorative" val="1"/>
+              </a:ext>
+            </a:extLst>
+          </p:cNvPr>
+          <p:cNvSpPr>
+            <a:spLocks noGrp="1" noRot="1" noChangeAspect="1" noMove="1" noResize="1" noEditPoints="1" noAdjustHandles="1" noChangeArrowheads="1" noChangeShapeType="1" noTextEdit="1"/>
+          </p:cNvSpPr>
+          <p:nvPr>
+            <p:extLst>
+              <p:ext uri="{386F3935-93C4-4BCD-93E2-E3B085C9AB24}">
+                <p16:designElem xmlns:p16="http://schemas.microsoft.com/office/powerpoint/2015/main" val="1"/>
+              </p:ext>
+            </p:extLst>
+          </p:nvPr>
+        </p:nvSpPr>
+        <p:spPr>
+          <a:xfrm>
+            <a:off x="0" y="0"/>
+            <a:ext cx="12192000" cy="6858000"/>
+          </a:xfrm>
+          <a:prstGeom prst="rect">
+            <a:avLst/>
+          </a:prstGeom>
+          <a:ln>
+            <a:noFill/>
+          </a:ln>
+        </p:spPr>
+        <p:style>
+          <a:lnRef idx="2">
+            <a:schemeClr val="accent1">
+              <a:shade val="50000"/>
+            </a:schemeClr>
+          </a:lnRef>
+          <a:fillRef idx="1">
+            <a:schemeClr val="accent1"/>
+          </a:fillRef>
+          <a:effectRef idx="0">
+            <a:schemeClr val="accent1"/>
+          </a:effectRef>
+          <a:fontRef idx="minor">
+            <a:schemeClr val="lt1"/>
+          </a:fontRef>
+        </p:style>
+        <p:txBody>
+          <a:bodyPr rtlCol="0" anchor="ctr"/>
+          <a:lstStyle/>
+          <a:p>
+            <a:pPr algn="ctr"/>
+            <a:endParaRPr lang="en-US"/>
+          </a:p>
+        </p:txBody>
+      </p:sp>
+      <p:sp>
+        <p:nvSpPr>
+          <p:cNvPr id="10" name="Freeform: Shape 9">
+            <a:extLst>
+              <a:ext uri="{FF2B5EF4-FFF2-40B4-BE49-F238E27FC236}">
+                <a16:creationId xmlns:a16="http://schemas.microsoft.com/office/drawing/2014/main" id="{A4026A73-1F7F-49F2-B319-8CA3B3D53269}"/>
+              </a:ext>
+              <a:ext uri="{C183D7F6-B498-43B3-948B-1728B52AA6E4}">
+                <adec:decorative xmlns:adec="http://schemas.microsoft.com/office/drawing/2017/decorative" val="1"/>
+              </a:ext>
+            </a:extLst>
+          </p:cNvPr>
+          <p:cNvSpPr>
+            <a:spLocks noGrp="1" noRot="1" noChangeAspect="1" noMove="1" noResize="1" noEditPoints="1" noAdjustHandles="1" noChangeArrowheads="1" noChangeShapeType="1" noTextEdit="1"/>
+          </p:cNvSpPr>
+          <p:nvPr>
+            <p:extLst>
+              <p:ext uri="{386F3935-93C4-4BCD-93E2-E3B085C9AB24}">
+                <p16:designElem xmlns:p16="http://schemas.microsoft.com/office/powerpoint/2015/main" val="1"/>
+              </p:ext>
+            </p:extLst>
+          </p:nvPr>
+        </p:nvSpPr>
+        <p:spPr>
+          <a:xfrm>
+            <a:off x="321732" y="321733"/>
+            <a:ext cx="11546828" cy="6214534"/>
+          </a:xfrm>
+          <a:custGeom>
+            <a:avLst/>
+            <a:gdLst>
+              <a:gd name="connsiteX0" fmla="*/ 0 w 11546828"/>
+              <a:gd name="connsiteY0" fmla="*/ 0 h 6214534"/>
+              <a:gd name="connsiteX1" fmla="*/ 7965430 w 11546828"/>
+              <a:gd name="connsiteY1" fmla="*/ 0 h 6214534"/>
+              <a:gd name="connsiteX2" fmla="*/ 7965430 w 11546828"/>
+              <a:gd name="connsiteY2" fmla="*/ 1786 h 6214534"/>
+              <a:gd name="connsiteX3" fmla="*/ 11546828 w 11546828"/>
+              <a:gd name="connsiteY3" fmla="*/ 1786 h 6214534"/>
+              <a:gd name="connsiteX4" fmla="*/ 11546828 w 11546828"/>
+              <a:gd name="connsiteY4" fmla="*/ 2866740 h 6214534"/>
+              <a:gd name="connsiteX5" fmla="*/ 11225095 w 11546828"/>
+              <a:gd name="connsiteY5" fmla="*/ 3179536 h 6214534"/>
+              <a:gd name="connsiteX6" fmla="*/ 11225095 w 11546828"/>
+              <a:gd name="connsiteY6" fmla="*/ 301542 h 6214534"/>
+              <a:gd name="connsiteX7" fmla="*/ 320042 w 11546828"/>
+              <a:gd name="connsiteY7" fmla="*/ 301542 h 6214534"/>
+              <a:gd name="connsiteX8" fmla="*/ 320042 w 11546828"/>
+              <a:gd name="connsiteY8" fmla="*/ 5909424 h 6214534"/>
+              <a:gd name="connsiteX9" fmla="*/ 8417210 w 11546828"/>
+              <a:gd name="connsiteY9" fmla="*/ 5909424 h 6214534"/>
+              <a:gd name="connsiteX10" fmla="*/ 8103383 w 11546828"/>
+              <a:gd name="connsiteY10" fmla="*/ 6214534 h 6214534"/>
+              <a:gd name="connsiteX11" fmla="*/ 7222929 w 11546828"/>
+              <a:gd name="connsiteY11" fmla="*/ 6214534 h 6214534"/>
+              <a:gd name="connsiteX12" fmla="*/ 7222929 w 11546828"/>
+              <a:gd name="connsiteY12" fmla="*/ 6212748 h 6214534"/>
+              <a:gd name="connsiteX13" fmla="*/ 0 w 11546828"/>
+              <a:gd name="connsiteY13" fmla="*/ 6212748 h 6214534"/>
+            </a:gdLst>
+            <a:ahLst/>
+            <a:cxnLst>
+              <a:cxn ang="0">
+                <a:pos x="connsiteX0" y="connsiteY0"/>
+              </a:cxn>
+              <a:cxn ang="0">
+                <a:pos x="connsiteX1" y="connsiteY1"/>
+              </a:cxn>
+              <a:cxn ang="0">
+                <a:pos x="connsiteX2" y="connsiteY2"/>
+              </a:cxn>
+              <a:cxn ang="0">
+                <a:pos x="connsiteX3" y="connsiteY3"/>
+              </a:cxn>
+              <a:cxn ang="0">
+                <a:pos x="connsiteX4" y="connsiteY4"/>
+              </a:cxn>
+              <a:cxn ang="0">
+                <a:pos x="connsiteX5" y="connsiteY5"/>
+              </a:cxn>
+              <a:cxn ang="0">
+                <a:pos x="connsiteX6" y="connsiteY6"/>
+              </a:cxn>
+              <a:cxn ang="0">
+                <a:pos x="connsiteX7" y="connsiteY7"/>
+              </a:cxn>
+              <a:cxn ang="0">
+                <a:pos x="connsiteX8" y="connsiteY8"/>
+              </a:cxn>
+              <a:cxn ang="0">
+                <a:pos x="connsiteX9" y="connsiteY9"/>
+              </a:cxn>
+              <a:cxn ang="0">
+                <a:pos x="connsiteX10" y="connsiteY10"/>
+              </a:cxn>
+              <a:cxn ang="0">
+                <a:pos x="connsiteX11" y="connsiteY11"/>
+              </a:cxn>
+              <a:cxn ang="0">
+                <a:pos x="connsiteX12" y="connsiteY12"/>
+              </a:cxn>
+              <a:cxn ang="0">
+                <a:pos x="connsiteX13" y="connsiteY13"/>
+              </a:cxn>
+            </a:cxnLst>
+            <a:rect l="l" t="t" r="r" b="b"/>
+            <a:pathLst>
+              <a:path w="11546828" h="6214534">
+                <a:moveTo>
+                  <a:pt x="0" y="0"/>
+                </a:moveTo>
+                <a:lnTo>
+                  <a:pt x="7965430" y="0"/>
+                </a:lnTo>
+                <a:lnTo>
+                  <a:pt x="7965430" y="1786"/>
+                </a:lnTo>
+                <a:lnTo>
+                  <a:pt x="11546828" y="1786"/>
+                </a:lnTo>
+                <a:lnTo>
+                  <a:pt x="11546828" y="2866740"/>
+                </a:lnTo>
+                <a:lnTo>
+                  <a:pt x="11225095" y="3179536"/>
+                </a:lnTo>
+                <a:lnTo>
+                  <a:pt x="11225095" y="301542"/>
+                </a:lnTo>
+                <a:lnTo>
+                  <a:pt x="320042" y="301542"/>
+                </a:lnTo>
+                <a:lnTo>
+                  <a:pt x="320042" y="5909424"/>
+                </a:lnTo>
+                <a:lnTo>
+                  <a:pt x="8417210" y="5909424"/>
+                </a:lnTo>
+                <a:lnTo>
+                  <a:pt x="8103383" y="6214534"/>
+                </a:lnTo>
+                <a:lnTo>
+                  <a:pt x="7222929" y="6214534"/>
+                </a:lnTo>
+                <a:lnTo>
+                  <a:pt x="7222929" y="6212748"/>
+                </a:lnTo>
+                <a:lnTo>
+                  <a:pt x="0" y="6212748"/>
+                </a:lnTo>
+                <a:close/>
+              </a:path>
+            </a:pathLst>
+          </a:custGeom>
+          <a:solidFill>
+            <a:schemeClr val="tx1">
+              <a:lumMod val="50000"/>
+              <a:lumOff val="50000"/>
+              <a:alpha val="25000"/>
+            </a:schemeClr>
+          </a:solidFill>
+          <a:ln>
+            <a:noFill/>
+          </a:ln>
+        </p:spPr>
+        <p:style>
+          <a:lnRef idx="2">
+            <a:schemeClr val="accent1">
+              <a:shade val="50000"/>
+            </a:schemeClr>
+          </a:lnRef>
+          <a:fillRef idx="1">
+            <a:schemeClr val="accent1"/>
+          </a:fillRef>
+          <a:effectRef idx="0">
+            <a:schemeClr val="accent1"/>
+          </a:effectRef>
+          <a:fontRef idx="minor">
+            <a:schemeClr val="lt1"/>
+          </a:fontRef>
+        </p:style>
+        <p:txBody>
+          <a:bodyPr wrap="square" rtlCol="0" anchor="ctr">
+            <a:noAutofit/>
+          </a:bodyPr>
+          <a:lstStyle/>
+          <a:p>
+            <a:pPr algn="ctr"/>
+            <a:endParaRPr lang="en-US"/>
+          </a:p>
+        </p:txBody>
+      </p:sp>
+      <p:sp>
+        <p:nvSpPr>
+          <p:cNvPr id="12" name="Right Triangle 11">
+            <a:extLst>
+              <a:ext uri="{FF2B5EF4-FFF2-40B4-BE49-F238E27FC236}">
+                <a16:creationId xmlns:a16="http://schemas.microsoft.com/office/drawing/2014/main" id="{5298780A-33B9-4EA2-8F67-DE68AD62841B}"/>
+              </a:ext>
+              <a:ext uri="{C183D7F6-B498-43B3-948B-1728B52AA6E4}">
+                <adec:decorative xmlns:adec="http://schemas.microsoft.com/office/drawing/2017/decorative" val="1"/>
+              </a:ext>
+            </a:extLst>
+          </p:cNvPr>
+          <p:cNvSpPr>
+            <a:spLocks noGrp="1" noRot="1" noChangeAspect="1" noMove="1" noResize="1" noEditPoints="1" noAdjustHandles="1" noChangeArrowheads="1" noChangeShapeType="1" noTextEdit="1"/>
+          </p:cNvSpPr>
+          <p:nvPr>
+            <p:extLst>
+              <p:ext uri="{386F3935-93C4-4BCD-93E2-E3B085C9AB24}">
+                <p16:designElem xmlns:p16="http://schemas.microsoft.com/office/powerpoint/2015/main" val="1"/>
+              </p:ext>
+            </p:extLst>
+          </p:nvPr>
+        </p:nvSpPr>
+        <p:spPr>
+          <a:xfrm flipH="1">
+            <a:off x="8576720" y="3335867"/>
+            <a:ext cx="3291840" cy="3200400"/>
+          </a:xfrm>
+          <a:prstGeom prst="rtTriangle">
+            <a:avLst/>
+          </a:prstGeom>
+          <a:solidFill>
+            <a:schemeClr val="accent4"/>
+          </a:solidFill>
+          <a:ln>
+            <a:noFill/>
+          </a:ln>
+        </p:spPr>
+        <p:style>
+          <a:lnRef idx="2">
+            <a:schemeClr val="accent1">
+              <a:shade val="50000"/>
+            </a:schemeClr>
+          </a:lnRef>
+          <a:fillRef idx="1">
+            <a:schemeClr val="accent1"/>
+          </a:fillRef>
+          <a:effectRef idx="0">
+            <a:schemeClr val="accent1"/>
+          </a:effectRef>
+          <a:fontRef idx="minor">
+            <a:schemeClr val="lt1"/>
+          </a:fontRef>
+        </p:style>
+        <p:txBody>
+          <a:bodyPr rtlCol="0" anchor="ctr"/>
+          <a:lstStyle/>
+          <a:p>
+            <a:pPr algn="ctr"/>
+            <a:endParaRPr lang="en-US" dirty="0"/>
+          </a:p>
+        </p:txBody>
+      </p:sp>
+      <p:sp>
+        <p:nvSpPr>
+          <p:cNvPr id="14" name="Rectangle 13">
+            <a:extLst>
+              <a:ext uri="{FF2B5EF4-FFF2-40B4-BE49-F238E27FC236}">
+                <a16:creationId xmlns:a16="http://schemas.microsoft.com/office/drawing/2014/main" id="{7F488E8B-4E1E-4402-8935-D4E6C02615C7}"/>
+              </a:ext>
+              <a:ext uri="{C183D7F6-B498-43B3-948B-1728B52AA6E4}">
+                <adec:decorative xmlns:adec="http://schemas.microsoft.com/office/drawing/2017/decorative" val="1"/>
+              </a:ext>
+            </a:extLst>
+          </p:cNvPr>
+          <p:cNvSpPr>
+            <a:spLocks noGrp="1" noRot="1" noChangeAspect="1" noMove="1" noResize="1" noEditPoints="1" noAdjustHandles="1" noChangeArrowheads="1" noChangeShapeType="1" noTextEdit="1"/>
+          </p:cNvSpPr>
+          <p:nvPr>
+            <p:extLst>
+              <p:ext uri="{386F3935-93C4-4BCD-93E2-E3B085C9AB24}">
+                <p16:designElem xmlns:p16="http://schemas.microsoft.com/office/powerpoint/2015/main" val="1"/>
+              </p:ext>
+            </p:extLst>
+          </p:nvPr>
+        </p:nvSpPr>
+        <p:spPr>
+          <a:xfrm>
+            <a:off x="641774" y="623275"/>
+            <a:ext cx="10905053" cy="5607882"/>
+          </a:xfrm>
+          <a:prstGeom prst="rect">
+            <a:avLst/>
+          </a:prstGeom>
+          <a:noFill/>
+          <a:ln w="19050">
+            <a:noFill/>
+          </a:ln>
+        </p:spPr>
+        <p:style>
+          <a:lnRef idx="2">
+            <a:schemeClr val="accent1">
+              <a:shade val="50000"/>
+            </a:schemeClr>
+          </a:lnRef>
+          <a:fillRef idx="1">
+            <a:schemeClr val="accent1"/>
+          </a:fillRef>
+          <a:effectRef idx="0">
+            <a:schemeClr val="accent1"/>
+          </a:effectRef>
+          <a:fontRef idx="minor">
+            <a:schemeClr val="lt1"/>
+          </a:fontRef>
+        </p:style>
+        <p:txBody>
+          <a:bodyPr rtlCol="0" anchor="ctr"/>
+          <a:lstStyle/>
+          <a:p>
+            <a:pPr algn="ctr"/>
+            <a:endParaRPr lang="en-US"/>
+          </a:p>
+        </p:txBody>
+      </p:sp>
       <p:sp>
         <p:nvSpPr>
           <p:cNvPr id="2" name="Title 1">
@@ -3434,18 +4032,81 @@
             <p:ph type="title"/>
           </p:nvPr>
         </p:nvSpPr>
-        <p:spPr/>
-        <p:txBody>
-          <a:bodyPr/>
-          <a:lstStyle/>
-          <a:p>
-            <a:r>
-              <a:rPr lang="en-US" dirty="0"/>
+        <p:spPr>
+          <a:xfrm>
+            <a:off x="1006900" y="1188637"/>
+            <a:ext cx="3141430" cy="4480726"/>
+          </a:xfrm>
+        </p:spPr>
+        <p:txBody>
+          <a:bodyPr>
+            <a:normAutofit/>
+          </a:bodyPr>
+          <a:lstStyle/>
+          <a:p>
+            <a:pPr algn="r"/>
+            <a:r>
+              <a:rPr lang="en-US" sz="4600"/>
               <a:t>Background</a:t>
             </a:r>
           </a:p>
         </p:txBody>
       </p:sp>
+      <p:cxnSp>
+        <p:nvCxnSpPr>
+          <p:cNvPr id="16" name="Straight Connector 15">
+            <a:extLst>
+              <a:ext uri="{FF2B5EF4-FFF2-40B4-BE49-F238E27FC236}">
+                <a16:creationId xmlns:a16="http://schemas.microsoft.com/office/drawing/2014/main" id="{23AAC9B5-8015-485C-ACF9-A750390E9A56}"/>
+              </a:ext>
+              <a:ext uri="{C183D7F6-B498-43B3-948B-1728B52AA6E4}">
+                <adec:decorative xmlns:adec="http://schemas.microsoft.com/office/drawing/2017/decorative" val="1"/>
+              </a:ext>
+            </a:extLst>
+          </p:cNvPr>
+          <p:cNvCxnSpPr>
+            <a:cxnSpLocks noGrp="1" noRot="1" noChangeAspect="1" noMove="1" noResize="1" noEditPoints="1" noAdjustHandles="1" noChangeArrowheads="1" noChangeShapeType="1"/>
+          </p:cNvCxnSpPr>
+          <p:nvPr>
+            <p:extLst>
+              <p:ext uri="{386F3935-93C4-4BCD-93E2-E3B085C9AB24}">
+                <p16:designElem xmlns:p16="http://schemas.microsoft.com/office/powerpoint/2015/main" val="1"/>
+              </p:ext>
+            </p:extLst>
+          </p:nvPr>
+        </p:nvCxnSpPr>
+        <p:spPr>
+          <a:xfrm>
+            <a:off x="4654296" y="1852863"/>
+            <a:ext cx="0" cy="3236495"/>
+          </a:xfrm>
+          <a:prstGeom prst="line">
+            <a:avLst/>
+          </a:prstGeom>
+          <a:ln w="19050" cap="sq">
+            <a:solidFill>
+              <a:schemeClr val="tx1">
+                <a:lumMod val="75000"/>
+                <a:lumOff val="25000"/>
+              </a:schemeClr>
+            </a:solidFill>
+          </a:ln>
+        </p:spPr>
+        <p:style>
+          <a:lnRef idx="1">
+            <a:schemeClr val="accent1"/>
+          </a:lnRef>
+          <a:fillRef idx="0">
+            <a:schemeClr val="accent1"/>
+          </a:fillRef>
+          <a:effectRef idx="0">
+            <a:schemeClr val="accent1"/>
+          </a:effectRef>
+          <a:fontRef idx="minor">
+            <a:schemeClr val="tx1"/>
+          </a:fontRef>
+        </p:style>
+      </p:cxnSp>
       <p:sp>
         <p:nvSpPr>
           <p:cNvPr id="3" name="Content Placeholder 2">
@@ -3462,13 +4123,20 @@
             <p:ph idx="1"/>
           </p:nvPr>
         </p:nvSpPr>
-        <p:spPr/>
-        <p:txBody>
-          <a:bodyPr/>
-          <a:lstStyle/>
-          <a:p>
-            <a:r>
-              <a:rPr lang="en-US" dirty="0"/>
+        <p:spPr>
+          <a:xfrm>
+            <a:off x="5138928" y="1338729"/>
+            <a:ext cx="4795584" cy="4180542"/>
+          </a:xfrm>
+        </p:spPr>
+        <p:txBody>
+          <a:bodyPr anchor="ctr">
+            <a:normAutofit/>
+          </a:bodyPr>
+          <a:lstStyle/>
+          <a:p>
+            <a:r>
+              <a:rPr lang="en-US" sz="2400"/>
               <a:t>Some experience in R</a:t>
             </a:r>
           </a:p>
@@ -3485,7 +4153,7 @@
           </a:p>
           <a:p>
             <a:r>
-              <a:rPr lang="en-US" dirty="0"/>
+              <a:rPr lang="en-US" sz="2400"/>
               <a:t>I am in the beginning stages of establishing an eDNA metabarcoding pipeline, and am in this class to learn how to create a manageable and reproducible project structure</a:t>
             </a:r>
           </a:p>
@@ -3507,6 +4175,14 @@
 <file path=ppt/slides/slide3.xml><?xml version="1.0" encoding="utf-8"?>
 <p:sld xmlns:a="http://schemas.openxmlformats.org/drawingml/2006/main" xmlns:r="http://schemas.openxmlformats.org/officeDocument/2006/relationships" xmlns:p="http://schemas.openxmlformats.org/presentationml/2006/main">
   <p:cSld>
+    <p:bg>
+      <p:bgPr>
+        <a:solidFill>
+          <a:schemeClr val="bg1"/>
+        </a:solidFill>
+        <a:effectLst/>
+      </p:bgPr>
+    </p:bg>
     <p:spTree>
       <p:nvGrpSpPr>
         <p:cNvPr id="1" name=""/>
@@ -3521,6 +4197,382 @@
           <a:chExt cx="0" cy="0"/>
         </a:xfrm>
       </p:grpSpPr>
+      <p:sp useBgFill="1">
+        <p:nvSpPr>
+          <p:cNvPr id="8" name="Rectangle 7">
+            <a:extLst>
+              <a:ext uri="{FF2B5EF4-FFF2-40B4-BE49-F238E27FC236}">
+                <a16:creationId xmlns:a16="http://schemas.microsoft.com/office/drawing/2014/main" id="{081EA652-8C6A-4E69-BEB9-170809474553}"/>
+              </a:ext>
+              <a:ext uri="{C183D7F6-B498-43B3-948B-1728B52AA6E4}">
+                <adec:decorative xmlns:adec="http://schemas.microsoft.com/office/drawing/2017/decorative" val="1"/>
+              </a:ext>
+            </a:extLst>
+          </p:cNvPr>
+          <p:cNvSpPr>
+            <a:spLocks noGrp="1" noRot="1" noChangeAspect="1" noMove="1" noResize="1" noEditPoints="1" noAdjustHandles="1" noChangeArrowheads="1" noChangeShapeType="1" noTextEdit="1"/>
+          </p:cNvSpPr>
+          <p:nvPr>
+            <p:extLst>
+              <p:ext uri="{386F3935-93C4-4BCD-93E2-E3B085C9AB24}">
+                <p16:designElem xmlns:p16="http://schemas.microsoft.com/office/powerpoint/2015/main" val="1"/>
+              </p:ext>
+            </p:extLst>
+          </p:nvPr>
+        </p:nvSpPr>
+        <p:spPr>
+          <a:xfrm>
+            <a:off x="0" y="0"/>
+            <a:ext cx="12192000" cy="6858000"/>
+          </a:xfrm>
+          <a:prstGeom prst="rect">
+            <a:avLst/>
+          </a:prstGeom>
+          <a:ln>
+            <a:noFill/>
+          </a:ln>
+        </p:spPr>
+        <p:style>
+          <a:lnRef idx="2">
+            <a:schemeClr val="accent1">
+              <a:shade val="50000"/>
+            </a:schemeClr>
+          </a:lnRef>
+          <a:fillRef idx="1">
+            <a:schemeClr val="accent1"/>
+          </a:fillRef>
+          <a:effectRef idx="0">
+            <a:schemeClr val="accent1"/>
+          </a:effectRef>
+          <a:fontRef idx="minor">
+            <a:schemeClr val="lt1"/>
+          </a:fontRef>
+        </p:style>
+        <p:txBody>
+          <a:bodyPr rtlCol="0" anchor="ctr"/>
+          <a:lstStyle/>
+          <a:p>
+            <a:pPr algn="ctr"/>
+            <a:endParaRPr lang="en-US"/>
+          </a:p>
+        </p:txBody>
+      </p:sp>
+      <p:sp>
+        <p:nvSpPr>
+          <p:cNvPr id="10" name="Freeform: Shape 9">
+            <a:extLst>
+              <a:ext uri="{FF2B5EF4-FFF2-40B4-BE49-F238E27FC236}">
+                <a16:creationId xmlns:a16="http://schemas.microsoft.com/office/drawing/2014/main" id="{A4026A73-1F7F-49F2-B319-8CA3B3D53269}"/>
+              </a:ext>
+              <a:ext uri="{C183D7F6-B498-43B3-948B-1728B52AA6E4}">
+                <adec:decorative xmlns:adec="http://schemas.microsoft.com/office/drawing/2017/decorative" val="1"/>
+              </a:ext>
+            </a:extLst>
+          </p:cNvPr>
+          <p:cNvSpPr>
+            <a:spLocks noGrp="1" noRot="1" noChangeAspect="1" noMove="1" noResize="1" noEditPoints="1" noAdjustHandles="1" noChangeArrowheads="1" noChangeShapeType="1" noTextEdit="1"/>
+          </p:cNvSpPr>
+          <p:nvPr>
+            <p:extLst>
+              <p:ext uri="{386F3935-93C4-4BCD-93E2-E3B085C9AB24}">
+                <p16:designElem xmlns:p16="http://schemas.microsoft.com/office/powerpoint/2015/main" val="1"/>
+              </p:ext>
+            </p:extLst>
+          </p:nvPr>
+        </p:nvSpPr>
+        <p:spPr>
+          <a:xfrm>
+            <a:off x="321732" y="321733"/>
+            <a:ext cx="11546828" cy="6214534"/>
+          </a:xfrm>
+          <a:custGeom>
+            <a:avLst/>
+            <a:gdLst>
+              <a:gd name="connsiteX0" fmla="*/ 0 w 11546828"/>
+              <a:gd name="connsiteY0" fmla="*/ 0 h 6214534"/>
+              <a:gd name="connsiteX1" fmla="*/ 7965430 w 11546828"/>
+              <a:gd name="connsiteY1" fmla="*/ 0 h 6214534"/>
+              <a:gd name="connsiteX2" fmla="*/ 7965430 w 11546828"/>
+              <a:gd name="connsiteY2" fmla="*/ 1786 h 6214534"/>
+              <a:gd name="connsiteX3" fmla="*/ 11546828 w 11546828"/>
+              <a:gd name="connsiteY3" fmla="*/ 1786 h 6214534"/>
+              <a:gd name="connsiteX4" fmla="*/ 11546828 w 11546828"/>
+              <a:gd name="connsiteY4" fmla="*/ 2866740 h 6214534"/>
+              <a:gd name="connsiteX5" fmla="*/ 11225095 w 11546828"/>
+              <a:gd name="connsiteY5" fmla="*/ 3179536 h 6214534"/>
+              <a:gd name="connsiteX6" fmla="*/ 11225095 w 11546828"/>
+              <a:gd name="connsiteY6" fmla="*/ 301542 h 6214534"/>
+              <a:gd name="connsiteX7" fmla="*/ 320042 w 11546828"/>
+              <a:gd name="connsiteY7" fmla="*/ 301542 h 6214534"/>
+              <a:gd name="connsiteX8" fmla="*/ 320042 w 11546828"/>
+              <a:gd name="connsiteY8" fmla="*/ 5909424 h 6214534"/>
+              <a:gd name="connsiteX9" fmla="*/ 8417210 w 11546828"/>
+              <a:gd name="connsiteY9" fmla="*/ 5909424 h 6214534"/>
+              <a:gd name="connsiteX10" fmla="*/ 8103383 w 11546828"/>
+              <a:gd name="connsiteY10" fmla="*/ 6214534 h 6214534"/>
+              <a:gd name="connsiteX11" fmla="*/ 7222929 w 11546828"/>
+              <a:gd name="connsiteY11" fmla="*/ 6214534 h 6214534"/>
+              <a:gd name="connsiteX12" fmla="*/ 7222929 w 11546828"/>
+              <a:gd name="connsiteY12" fmla="*/ 6212748 h 6214534"/>
+              <a:gd name="connsiteX13" fmla="*/ 0 w 11546828"/>
+              <a:gd name="connsiteY13" fmla="*/ 6212748 h 6214534"/>
+            </a:gdLst>
+            <a:ahLst/>
+            <a:cxnLst>
+              <a:cxn ang="0">
+                <a:pos x="connsiteX0" y="connsiteY0"/>
+              </a:cxn>
+              <a:cxn ang="0">
+                <a:pos x="connsiteX1" y="connsiteY1"/>
+              </a:cxn>
+              <a:cxn ang="0">
+                <a:pos x="connsiteX2" y="connsiteY2"/>
+              </a:cxn>
+              <a:cxn ang="0">
+                <a:pos x="connsiteX3" y="connsiteY3"/>
+              </a:cxn>
+              <a:cxn ang="0">
+                <a:pos x="connsiteX4" y="connsiteY4"/>
+              </a:cxn>
+              <a:cxn ang="0">
+                <a:pos x="connsiteX5" y="connsiteY5"/>
+              </a:cxn>
+              <a:cxn ang="0">
+                <a:pos x="connsiteX6" y="connsiteY6"/>
+              </a:cxn>
+              <a:cxn ang="0">
+                <a:pos x="connsiteX7" y="connsiteY7"/>
+              </a:cxn>
+              <a:cxn ang="0">
+                <a:pos x="connsiteX8" y="connsiteY8"/>
+              </a:cxn>
+              <a:cxn ang="0">
+                <a:pos x="connsiteX9" y="connsiteY9"/>
+              </a:cxn>
+              <a:cxn ang="0">
+                <a:pos x="connsiteX10" y="connsiteY10"/>
+              </a:cxn>
+              <a:cxn ang="0">
+                <a:pos x="connsiteX11" y="connsiteY11"/>
+              </a:cxn>
+              <a:cxn ang="0">
+                <a:pos x="connsiteX12" y="connsiteY12"/>
+              </a:cxn>
+              <a:cxn ang="0">
+                <a:pos x="connsiteX13" y="connsiteY13"/>
+              </a:cxn>
+            </a:cxnLst>
+            <a:rect l="l" t="t" r="r" b="b"/>
+            <a:pathLst>
+              <a:path w="11546828" h="6214534">
+                <a:moveTo>
+                  <a:pt x="0" y="0"/>
+                </a:moveTo>
+                <a:lnTo>
+                  <a:pt x="7965430" y="0"/>
+                </a:lnTo>
+                <a:lnTo>
+                  <a:pt x="7965430" y="1786"/>
+                </a:lnTo>
+                <a:lnTo>
+                  <a:pt x="11546828" y="1786"/>
+                </a:lnTo>
+                <a:lnTo>
+                  <a:pt x="11546828" y="2866740"/>
+                </a:lnTo>
+                <a:lnTo>
+                  <a:pt x="11225095" y="3179536"/>
+                </a:lnTo>
+                <a:lnTo>
+                  <a:pt x="11225095" y="301542"/>
+                </a:lnTo>
+                <a:lnTo>
+                  <a:pt x="320042" y="301542"/>
+                </a:lnTo>
+                <a:lnTo>
+                  <a:pt x="320042" y="5909424"/>
+                </a:lnTo>
+                <a:lnTo>
+                  <a:pt x="8417210" y="5909424"/>
+                </a:lnTo>
+                <a:lnTo>
+                  <a:pt x="8103383" y="6214534"/>
+                </a:lnTo>
+                <a:lnTo>
+                  <a:pt x="7222929" y="6214534"/>
+                </a:lnTo>
+                <a:lnTo>
+                  <a:pt x="7222929" y="6212748"/>
+                </a:lnTo>
+                <a:lnTo>
+                  <a:pt x="0" y="6212748"/>
+                </a:lnTo>
+                <a:close/>
+              </a:path>
+            </a:pathLst>
+          </a:custGeom>
+          <a:solidFill>
+            <a:schemeClr val="tx1">
+              <a:lumMod val="50000"/>
+              <a:lumOff val="50000"/>
+              <a:alpha val="25000"/>
+            </a:schemeClr>
+          </a:solidFill>
+          <a:ln>
+            <a:noFill/>
+          </a:ln>
+        </p:spPr>
+        <p:style>
+          <a:lnRef idx="2">
+            <a:schemeClr val="accent1">
+              <a:shade val="50000"/>
+            </a:schemeClr>
+          </a:lnRef>
+          <a:fillRef idx="1">
+            <a:schemeClr val="accent1"/>
+          </a:fillRef>
+          <a:effectRef idx="0">
+            <a:schemeClr val="accent1"/>
+          </a:effectRef>
+          <a:fontRef idx="minor">
+            <a:schemeClr val="lt1"/>
+          </a:fontRef>
+        </p:style>
+        <p:txBody>
+          <a:bodyPr wrap="square" rtlCol="0" anchor="ctr">
+            <a:noAutofit/>
+          </a:bodyPr>
+          <a:lstStyle/>
+          <a:p>
+            <a:pPr algn="ctr"/>
+            <a:endParaRPr lang="en-US"/>
+          </a:p>
+        </p:txBody>
+      </p:sp>
+      <p:sp>
+        <p:nvSpPr>
+          <p:cNvPr id="12" name="Right Triangle 11">
+            <a:extLst>
+              <a:ext uri="{FF2B5EF4-FFF2-40B4-BE49-F238E27FC236}">
+                <a16:creationId xmlns:a16="http://schemas.microsoft.com/office/drawing/2014/main" id="{5298780A-33B9-4EA2-8F67-DE68AD62841B}"/>
+              </a:ext>
+              <a:ext uri="{C183D7F6-B498-43B3-948B-1728B52AA6E4}">
+                <adec:decorative xmlns:adec="http://schemas.microsoft.com/office/drawing/2017/decorative" val="1"/>
+              </a:ext>
+            </a:extLst>
+          </p:cNvPr>
+          <p:cNvSpPr>
+            <a:spLocks noGrp="1" noRot="1" noChangeAspect="1" noMove="1" noResize="1" noEditPoints="1" noAdjustHandles="1" noChangeArrowheads="1" noChangeShapeType="1" noTextEdit="1"/>
+          </p:cNvSpPr>
+          <p:nvPr>
+            <p:extLst>
+              <p:ext uri="{386F3935-93C4-4BCD-93E2-E3B085C9AB24}">
+                <p16:designElem xmlns:p16="http://schemas.microsoft.com/office/powerpoint/2015/main" val="1"/>
+              </p:ext>
+            </p:extLst>
+          </p:nvPr>
+        </p:nvSpPr>
+        <p:spPr>
+          <a:xfrm flipH="1">
+            <a:off x="8576720" y="3335867"/>
+            <a:ext cx="3291840" cy="3200400"/>
+          </a:xfrm>
+          <a:prstGeom prst="rtTriangle">
+            <a:avLst/>
+          </a:prstGeom>
+          <a:solidFill>
+            <a:schemeClr val="accent4"/>
+          </a:solidFill>
+          <a:ln>
+            <a:noFill/>
+          </a:ln>
+        </p:spPr>
+        <p:style>
+          <a:lnRef idx="2">
+            <a:schemeClr val="accent1">
+              <a:shade val="50000"/>
+            </a:schemeClr>
+          </a:lnRef>
+          <a:fillRef idx="1">
+            <a:schemeClr val="accent1"/>
+          </a:fillRef>
+          <a:effectRef idx="0">
+            <a:schemeClr val="accent1"/>
+          </a:effectRef>
+          <a:fontRef idx="minor">
+            <a:schemeClr val="lt1"/>
+          </a:fontRef>
+        </p:style>
+        <p:txBody>
+          <a:bodyPr rtlCol="0" anchor="ctr"/>
+          <a:lstStyle/>
+          <a:p>
+            <a:pPr algn="ctr"/>
+            <a:endParaRPr lang="en-US" dirty="0"/>
+          </a:p>
+        </p:txBody>
+      </p:sp>
+      <p:sp>
+        <p:nvSpPr>
+          <p:cNvPr id="14" name="Rectangle 13">
+            <a:extLst>
+              <a:ext uri="{FF2B5EF4-FFF2-40B4-BE49-F238E27FC236}">
+                <a16:creationId xmlns:a16="http://schemas.microsoft.com/office/drawing/2014/main" id="{7F488E8B-4E1E-4402-8935-D4E6C02615C7}"/>
+              </a:ext>
+              <a:ext uri="{C183D7F6-B498-43B3-948B-1728B52AA6E4}">
+                <adec:decorative xmlns:adec="http://schemas.microsoft.com/office/drawing/2017/decorative" val="1"/>
+              </a:ext>
+            </a:extLst>
+          </p:cNvPr>
+          <p:cNvSpPr>
+            <a:spLocks noGrp="1" noRot="1" noChangeAspect="1" noMove="1" noResize="1" noEditPoints="1" noAdjustHandles="1" noChangeArrowheads="1" noChangeShapeType="1" noTextEdit="1"/>
+          </p:cNvSpPr>
+          <p:nvPr>
+            <p:extLst>
+              <p:ext uri="{386F3935-93C4-4BCD-93E2-E3B085C9AB24}">
+                <p16:designElem xmlns:p16="http://schemas.microsoft.com/office/powerpoint/2015/main" val="1"/>
+              </p:ext>
+            </p:extLst>
+          </p:nvPr>
+        </p:nvSpPr>
+        <p:spPr>
+          <a:xfrm>
+            <a:off x="641774" y="623275"/>
+            <a:ext cx="10905053" cy="5607882"/>
+          </a:xfrm>
+          <a:prstGeom prst="rect">
+            <a:avLst/>
+          </a:prstGeom>
+          <a:noFill/>
+          <a:ln w="19050">
+            <a:noFill/>
+          </a:ln>
+        </p:spPr>
+        <p:style>
+          <a:lnRef idx="2">
+            <a:schemeClr val="accent1">
+              <a:shade val="50000"/>
+            </a:schemeClr>
+          </a:lnRef>
+          <a:fillRef idx="1">
+            <a:schemeClr val="accent1"/>
+          </a:fillRef>
+          <a:effectRef idx="0">
+            <a:schemeClr val="accent1"/>
+          </a:effectRef>
+          <a:fontRef idx="minor">
+            <a:schemeClr val="lt1"/>
+          </a:fontRef>
+        </p:style>
+        <p:txBody>
+          <a:bodyPr rtlCol="0" anchor="ctr"/>
+          <a:lstStyle/>
+          <a:p>
+            <a:pPr algn="ctr"/>
+            <a:endParaRPr lang="en-US"/>
+          </a:p>
+        </p:txBody>
+      </p:sp>
       <p:sp>
         <p:nvSpPr>
           <p:cNvPr id="2" name="Title 1">
@@ -3537,18 +4589,81 @@
             <p:ph type="title"/>
           </p:nvPr>
         </p:nvSpPr>
-        <p:spPr/>
-        <p:txBody>
-          <a:bodyPr/>
-          <a:lstStyle/>
-          <a:p>
-            <a:r>
-              <a:rPr lang="en-US" dirty="0"/>
+        <p:spPr>
+          <a:xfrm>
+            <a:off x="1006900" y="1188637"/>
+            <a:ext cx="3141430" cy="4480726"/>
+          </a:xfrm>
+        </p:spPr>
+        <p:txBody>
+          <a:bodyPr>
+            <a:normAutofit/>
+          </a:bodyPr>
+          <a:lstStyle/>
+          <a:p>
+            <a:pPr algn="r"/>
+            <a:r>
+              <a:rPr lang="en-US" sz="6100"/>
               <a:t>Project Summary</a:t>
             </a:r>
           </a:p>
         </p:txBody>
       </p:sp>
+      <p:cxnSp>
+        <p:nvCxnSpPr>
+          <p:cNvPr id="16" name="Straight Connector 15">
+            <a:extLst>
+              <a:ext uri="{FF2B5EF4-FFF2-40B4-BE49-F238E27FC236}">
+                <a16:creationId xmlns:a16="http://schemas.microsoft.com/office/drawing/2014/main" id="{23AAC9B5-8015-485C-ACF9-A750390E9A56}"/>
+              </a:ext>
+              <a:ext uri="{C183D7F6-B498-43B3-948B-1728B52AA6E4}">
+                <adec:decorative xmlns:adec="http://schemas.microsoft.com/office/drawing/2017/decorative" val="1"/>
+              </a:ext>
+            </a:extLst>
+          </p:cNvPr>
+          <p:cNvCxnSpPr>
+            <a:cxnSpLocks noGrp="1" noRot="1" noChangeAspect="1" noMove="1" noResize="1" noEditPoints="1" noAdjustHandles="1" noChangeArrowheads="1" noChangeShapeType="1"/>
+          </p:cNvCxnSpPr>
+          <p:nvPr>
+            <p:extLst>
+              <p:ext uri="{386F3935-93C4-4BCD-93E2-E3B085C9AB24}">
+                <p16:designElem xmlns:p16="http://schemas.microsoft.com/office/powerpoint/2015/main" val="1"/>
+              </p:ext>
+            </p:extLst>
+          </p:nvPr>
+        </p:nvCxnSpPr>
+        <p:spPr>
+          <a:xfrm>
+            <a:off x="4654296" y="1852863"/>
+            <a:ext cx="0" cy="3236495"/>
+          </a:xfrm>
+          <a:prstGeom prst="line">
+            <a:avLst/>
+          </a:prstGeom>
+          <a:ln w="19050" cap="sq">
+            <a:solidFill>
+              <a:schemeClr val="tx1">
+                <a:lumMod val="75000"/>
+                <a:lumOff val="25000"/>
+              </a:schemeClr>
+            </a:solidFill>
+          </a:ln>
+        </p:spPr>
+        <p:style>
+          <a:lnRef idx="1">
+            <a:schemeClr val="accent1"/>
+          </a:lnRef>
+          <a:fillRef idx="0">
+            <a:schemeClr val="accent1"/>
+          </a:fillRef>
+          <a:effectRef idx="0">
+            <a:schemeClr val="accent1"/>
+          </a:effectRef>
+          <a:fontRef idx="minor">
+            <a:schemeClr val="tx1"/>
+          </a:fontRef>
+        </p:style>
+      </p:cxnSp>
       <p:sp>
         <p:nvSpPr>
           <p:cNvPr id="3" name="Content Placeholder 2">
@@ -3565,12 +4680,45 @@
             <p:ph idx="1"/>
           </p:nvPr>
         </p:nvSpPr>
-        <p:spPr/>
-        <p:txBody>
-          <a:bodyPr/>
-          <a:lstStyle/>
-          <a:p>
-            <a:endParaRPr lang="en-US"/>
+        <p:spPr>
+          <a:xfrm>
+            <a:off x="5138928" y="1338729"/>
+            <a:ext cx="4795584" cy="4180542"/>
+          </a:xfrm>
+        </p:spPr>
+        <p:txBody>
+          <a:bodyPr anchor="ctr">
+            <a:normAutofit/>
+          </a:bodyPr>
+          <a:lstStyle/>
+          <a:p>
+            <a:r>
+              <a:rPr lang="en-US" sz="2200" dirty="0"/>
+              <a:t>eDNA sampling of tributary and main-stem sites in the Grand Canyon</a:t>
+            </a:r>
+          </a:p>
+          <a:p>
+            <a:pPr lvl="1"/>
+            <a:r>
+              <a:rPr lang="en-US" sz="2200" dirty="0"/>
+              <a:t>Assess the genetic connectivity of these communities</a:t>
+            </a:r>
+          </a:p>
+          <a:p>
+            <a:pPr lvl="1"/>
+            <a:r>
+              <a:rPr lang="en-US" sz="1800" dirty="0"/>
+              <a:t>Metabarcoding of COI gene fragment using a degenerate primer targeting aquatic macroinvertebrates</a:t>
+            </a:r>
+          </a:p>
+          <a:p>
+            <a:r>
+              <a:rPr lang="en-US" sz="2200" dirty="0"/>
+              <a:t>Are organisms dispersing into the mainstem from the tributaries? Dispersal between tributaries? Are there latitudinal trends in community composition? </a:t>
+            </a:r>
+          </a:p>
+          <a:p>
+            <a:endParaRPr lang="en-US" sz="2200" dirty="0"/>
           </a:p>
         </p:txBody>
       </p:sp>
@@ -3590,6 +4738,14 @@
 <file path=ppt/slides/slide4.xml><?xml version="1.0" encoding="utf-8"?>
 <p:sld xmlns:a="http://schemas.openxmlformats.org/drawingml/2006/main" xmlns:r="http://schemas.openxmlformats.org/officeDocument/2006/relationships" xmlns:p="http://schemas.openxmlformats.org/presentationml/2006/main">
   <p:cSld>
+    <p:bg>
+      <p:bgPr>
+        <a:solidFill>
+          <a:schemeClr val="bg1"/>
+        </a:solidFill>
+        <a:effectLst/>
+      </p:bgPr>
+    </p:bg>
     <p:spTree>
       <p:nvGrpSpPr>
         <p:cNvPr id="1" name=""/>
@@ -3604,6 +4760,382 @@
           <a:chExt cx="0" cy="0"/>
         </a:xfrm>
       </p:grpSpPr>
+      <p:sp useBgFill="1">
+        <p:nvSpPr>
+          <p:cNvPr id="8" name="Rectangle 7">
+            <a:extLst>
+              <a:ext uri="{FF2B5EF4-FFF2-40B4-BE49-F238E27FC236}">
+                <a16:creationId xmlns:a16="http://schemas.microsoft.com/office/drawing/2014/main" id="{081EA652-8C6A-4E69-BEB9-170809474553}"/>
+              </a:ext>
+              <a:ext uri="{C183D7F6-B498-43B3-948B-1728B52AA6E4}">
+                <adec:decorative xmlns:adec="http://schemas.microsoft.com/office/drawing/2017/decorative" val="1"/>
+              </a:ext>
+            </a:extLst>
+          </p:cNvPr>
+          <p:cNvSpPr>
+            <a:spLocks noGrp="1" noRot="1" noChangeAspect="1" noMove="1" noResize="1" noEditPoints="1" noAdjustHandles="1" noChangeArrowheads="1" noChangeShapeType="1" noTextEdit="1"/>
+          </p:cNvSpPr>
+          <p:nvPr>
+            <p:extLst>
+              <p:ext uri="{386F3935-93C4-4BCD-93E2-E3B085C9AB24}">
+                <p16:designElem xmlns:p16="http://schemas.microsoft.com/office/powerpoint/2015/main" val="1"/>
+              </p:ext>
+            </p:extLst>
+          </p:nvPr>
+        </p:nvSpPr>
+        <p:spPr>
+          <a:xfrm>
+            <a:off x="0" y="0"/>
+            <a:ext cx="12192000" cy="6858000"/>
+          </a:xfrm>
+          <a:prstGeom prst="rect">
+            <a:avLst/>
+          </a:prstGeom>
+          <a:ln>
+            <a:noFill/>
+          </a:ln>
+        </p:spPr>
+        <p:style>
+          <a:lnRef idx="2">
+            <a:schemeClr val="accent1">
+              <a:shade val="50000"/>
+            </a:schemeClr>
+          </a:lnRef>
+          <a:fillRef idx="1">
+            <a:schemeClr val="accent1"/>
+          </a:fillRef>
+          <a:effectRef idx="0">
+            <a:schemeClr val="accent1"/>
+          </a:effectRef>
+          <a:fontRef idx="minor">
+            <a:schemeClr val="lt1"/>
+          </a:fontRef>
+        </p:style>
+        <p:txBody>
+          <a:bodyPr rtlCol="0" anchor="ctr"/>
+          <a:lstStyle/>
+          <a:p>
+            <a:pPr algn="ctr"/>
+            <a:endParaRPr lang="en-US"/>
+          </a:p>
+        </p:txBody>
+      </p:sp>
+      <p:sp>
+        <p:nvSpPr>
+          <p:cNvPr id="10" name="Freeform: Shape 9">
+            <a:extLst>
+              <a:ext uri="{FF2B5EF4-FFF2-40B4-BE49-F238E27FC236}">
+                <a16:creationId xmlns:a16="http://schemas.microsoft.com/office/drawing/2014/main" id="{A4026A73-1F7F-49F2-B319-8CA3B3D53269}"/>
+              </a:ext>
+              <a:ext uri="{C183D7F6-B498-43B3-948B-1728B52AA6E4}">
+                <adec:decorative xmlns:adec="http://schemas.microsoft.com/office/drawing/2017/decorative" val="1"/>
+              </a:ext>
+            </a:extLst>
+          </p:cNvPr>
+          <p:cNvSpPr>
+            <a:spLocks noGrp="1" noRot="1" noChangeAspect="1" noMove="1" noResize="1" noEditPoints="1" noAdjustHandles="1" noChangeArrowheads="1" noChangeShapeType="1" noTextEdit="1"/>
+          </p:cNvSpPr>
+          <p:nvPr>
+            <p:extLst>
+              <p:ext uri="{386F3935-93C4-4BCD-93E2-E3B085C9AB24}">
+                <p16:designElem xmlns:p16="http://schemas.microsoft.com/office/powerpoint/2015/main" val="1"/>
+              </p:ext>
+            </p:extLst>
+          </p:nvPr>
+        </p:nvSpPr>
+        <p:spPr>
+          <a:xfrm>
+            <a:off x="321732" y="321733"/>
+            <a:ext cx="11546828" cy="6214534"/>
+          </a:xfrm>
+          <a:custGeom>
+            <a:avLst/>
+            <a:gdLst>
+              <a:gd name="connsiteX0" fmla="*/ 0 w 11546828"/>
+              <a:gd name="connsiteY0" fmla="*/ 0 h 6214534"/>
+              <a:gd name="connsiteX1" fmla="*/ 7965430 w 11546828"/>
+              <a:gd name="connsiteY1" fmla="*/ 0 h 6214534"/>
+              <a:gd name="connsiteX2" fmla="*/ 7965430 w 11546828"/>
+              <a:gd name="connsiteY2" fmla="*/ 1786 h 6214534"/>
+              <a:gd name="connsiteX3" fmla="*/ 11546828 w 11546828"/>
+              <a:gd name="connsiteY3" fmla="*/ 1786 h 6214534"/>
+              <a:gd name="connsiteX4" fmla="*/ 11546828 w 11546828"/>
+              <a:gd name="connsiteY4" fmla="*/ 2866740 h 6214534"/>
+              <a:gd name="connsiteX5" fmla="*/ 11225095 w 11546828"/>
+              <a:gd name="connsiteY5" fmla="*/ 3179536 h 6214534"/>
+              <a:gd name="connsiteX6" fmla="*/ 11225095 w 11546828"/>
+              <a:gd name="connsiteY6" fmla="*/ 301542 h 6214534"/>
+              <a:gd name="connsiteX7" fmla="*/ 320042 w 11546828"/>
+              <a:gd name="connsiteY7" fmla="*/ 301542 h 6214534"/>
+              <a:gd name="connsiteX8" fmla="*/ 320042 w 11546828"/>
+              <a:gd name="connsiteY8" fmla="*/ 5909424 h 6214534"/>
+              <a:gd name="connsiteX9" fmla="*/ 8417210 w 11546828"/>
+              <a:gd name="connsiteY9" fmla="*/ 5909424 h 6214534"/>
+              <a:gd name="connsiteX10" fmla="*/ 8103383 w 11546828"/>
+              <a:gd name="connsiteY10" fmla="*/ 6214534 h 6214534"/>
+              <a:gd name="connsiteX11" fmla="*/ 7222929 w 11546828"/>
+              <a:gd name="connsiteY11" fmla="*/ 6214534 h 6214534"/>
+              <a:gd name="connsiteX12" fmla="*/ 7222929 w 11546828"/>
+              <a:gd name="connsiteY12" fmla="*/ 6212748 h 6214534"/>
+              <a:gd name="connsiteX13" fmla="*/ 0 w 11546828"/>
+              <a:gd name="connsiteY13" fmla="*/ 6212748 h 6214534"/>
+            </a:gdLst>
+            <a:ahLst/>
+            <a:cxnLst>
+              <a:cxn ang="0">
+                <a:pos x="connsiteX0" y="connsiteY0"/>
+              </a:cxn>
+              <a:cxn ang="0">
+                <a:pos x="connsiteX1" y="connsiteY1"/>
+              </a:cxn>
+              <a:cxn ang="0">
+                <a:pos x="connsiteX2" y="connsiteY2"/>
+              </a:cxn>
+              <a:cxn ang="0">
+                <a:pos x="connsiteX3" y="connsiteY3"/>
+              </a:cxn>
+              <a:cxn ang="0">
+                <a:pos x="connsiteX4" y="connsiteY4"/>
+              </a:cxn>
+              <a:cxn ang="0">
+                <a:pos x="connsiteX5" y="connsiteY5"/>
+              </a:cxn>
+              <a:cxn ang="0">
+                <a:pos x="connsiteX6" y="connsiteY6"/>
+              </a:cxn>
+              <a:cxn ang="0">
+                <a:pos x="connsiteX7" y="connsiteY7"/>
+              </a:cxn>
+              <a:cxn ang="0">
+                <a:pos x="connsiteX8" y="connsiteY8"/>
+              </a:cxn>
+              <a:cxn ang="0">
+                <a:pos x="connsiteX9" y="connsiteY9"/>
+              </a:cxn>
+              <a:cxn ang="0">
+                <a:pos x="connsiteX10" y="connsiteY10"/>
+              </a:cxn>
+              <a:cxn ang="0">
+                <a:pos x="connsiteX11" y="connsiteY11"/>
+              </a:cxn>
+              <a:cxn ang="0">
+                <a:pos x="connsiteX12" y="connsiteY12"/>
+              </a:cxn>
+              <a:cxn ang="0">
+                <a:pos x="connsiteX13" y="connsiteY13"/>
+              </a:cxn>
+            </a:cxnLst>
+            <a:rect l="l" t="t" r="r" b="b"/>
+            <a:pathLst>
+              <a:path w="11546828" h="6214534">
+                <a:moveTo>
+                  <a:pt x="0" y="0"/>
+                </a:moveTo>
+                <a:lnTo>
+                  <a:pt x="7965430" y="0"/>
+                </a:lnTo>
+                <a:lnTo>
+                  <a:pt x="7965430" y="1786"/>
+                </a:lnTo>
+                <a:lnTo>
+                  <a:pt x="11546828" y="1786"/>
+                </a:lnTo>
+                <a:lnTo>
+                  <a:pt x="11546828" y="2866740"/>
+                </a:lnTo>
+                <a:lnTo>
+                  <a:pt x="11225095" y="3179536"/>
+                </a:lnTo>
+                <a:lnTo>
+                  <a:pt x="11225095" y="301542"/>
+                </a:lnTo>
+                <a:lnTo>
+                  <a:pt x="320042" y="301542"/>
+                </a:lnTo>
+                <a:lnTo>
+                  <a:pt x="320042" y="5909424"/>
+                </a:lnTo>
+                <a:lnTo>
+                  <a:pt x="8417210" y="5909424"/>
+                </a:lnTo>
+                <a:lnTo>
+                  <a:pt x="8103383" y="6214534"/>
+                </a:lnTo>
+                <a:lnTo>
+                  <a:pt x="7222929" y="6214534"/>
+                </a:lnTo>
+                <a:lnTo>
+                  <a:pt x="7222929" y="6212748"/>
+                </a:lnTo>
+                <a:lnTo>
+                  <a:pt x="0" y="6212748"/>
+                </a:lnTo>
+                <a:close/>
+              </a:path>
+            </a:pathLst>
+          </a:custGeom>
+          <a:solidFill>
+            <a:schemeClr val="tx1">
+              <a:lumMod val="50000"/>
+              <a:lumOff val="50000"/>
+              <a:alpha val="25000"/>
+            </a:schemeClr>
+          </a:solidFill>
+          <a:ln>
+            <a:noFill/>
+          </a:ln>
+        </p:spPr>
+        <p:style>
+          <a:lnRef idx="2">
+            <a:schemeClr val="accent1">
+              <a:shade val="50000"/>
+            </a:schemeClr>
+          </a:lnRef>
+          <a:fillRef idx="1">
+            <a:schemeClr val="accent1"/>
+          </a:fillRef>
+          <a:effectRef idx="0">
+            <a:schemeClr val="accent1"/>
+          </a:effectRef>
+          <a:fontRef idx="minor">
+            <a:schemeClr val="lt1"/>
+          </a:fontRef>
+        </p:style>
+        <p:txBody>
+          <a:bodyPr wrap="square" rtlCol="0" anchor="ctr">
+            <a:noAutofit/>
+          </a:bodyPr>
+          <a:lstStyle/>
+          <a:p>
+            <a:pPr algn="ctr"/>
+            <a:endParaRPr lang="en-US"/>
+          </a:p>
+        </p:txBody>
+      </p:sp>
+      <p:sp>
+        <p:nvSpPr>
+          <p:cNvPr id="12" name="Right Triangle 11">
+            <a:extLst>
+              <a:ext uri="{FF2B5EF4-FFF2-40B4-BE49-F238E27FC236}">
+                <a16:creationId xmlns:a16="http://schemas.microsoft.com/office/drawing/2014/main" id="{5298780A-33B9-4EA2-8F67-DE68AD62841B}"/>
+              </a:ext>
+              <a:ext uri="{C183D7F6-B498-43B3-948B-1728B52AA6E4}">
+                <adec:decorative xmlns:adec="http://schemas.microsoft.com/office/drawing/2017/decorative" val="1"/>
+              </a:ext>
+            </a:extLst>
+          </p:cNvPr>
+          <p:cNvSpPr>
+            <a:spLocks noGrp="1" noRot="1" noChangeAspect="1" noMove="1" noResize="1" noEditPoints="1" noAdjustHandles="1" noChangeArrowheads="1" noChangeShapeType="1" noTextEdit="1"/>
+          </p:cNvSpPr>
+          <p:nvPr>
+            <p:extLst>
+              <p:ext uri="{386F3935-93C4-4BCD-93E2-E3B085C9AB24}">
+                <p16:designElem xmlns:p16="http://schemas.microsoft.com/office/powerpoint/2015/main" val="1"/>
+              </p:ext>
+            </p:extLst>
+          </p:nvPr>
+        </p:nvSpPr>
+        <p:spPr>
+          <a:xfrm flipH="1">
+            <a:off x="8576720" y="3335867"/>
+            <a:ext cx="3291840" cy="3200400"/>
+          </a:xfrm>
+          <a:prstGeom prst="rtTriangle">
+            <a:avLst/>
+          </a:prstGeom>
+          <a:solidFill>
+            <a:schemeClr val="accent4"/>
+          </a:solidFill>
+          <a:ln>
+            <a:noFill/>
+          </a:ln>
+        </p:spPr>
+        <p:style>
+          <a:lnRef idx="2">
+            <a:schemeClr val="accent1">
+              <a:shade val="50000"/>
+            </a:schemeClr>
+          </a:lnRef>
+          <a:fillRef idx="1">
+            <a:schemeClr val="accent1"/>
+          </a:fillRef>
+          <a:effectRef idx="0">
+            <a:schemeClr val="accent1"/>
+          </a:effectRef>
+          <a:fontRef idx="minor">
+            <a:schemeClr val="lt1"/>
+          </a:fontRef>
+        </p:style>
+        <p:txBody>
+          <a:bodyPr rtlCol="0" anchor="ctr"/>
+          <a:lstStyle/>
+          <a:p>
+            <a:pPr algn="ctr"/>
+            <a:endParaRPr lang="en-US" dirty="0"/>
+          </a:p>
+        </p:txBody>
+      </p:sp>
+      <p:sp>
+        <p:nvSpPr>
+          <p:cNvPr id="14" name="Rectangle 13">
+            <a:extLst>
+              <a:ext uri="{FF2B5EF4-FFF2-40B4-BE49-F238E27FC236}">
+                <a16:creationId xmlns:a16="http://schemas.microsoft.com/office/drawing/2014/main" id="{7F488E8B-4E1E-4402-8935-D4E6C02615C7}"/>
+              </a:ext>
+              <a:ext uri="{C183D7F6-B498-43B3-948B-1728B52AA6E4}">
+                <adec:decorative xmlns:adec="http://schemas.microsoft.com/office/drawing/2017/decorative" val="1"/>
+              </a:ext>
+            </a:extLst>
+          </p:cNvPr>
+          <p:cNvSpPr>
+            <a:spLocks noGrp="1" noRot="1" noChangeAspect="1" noMove="1" noResize="1" noEditPoints="1" noAdjustHandles="1" noChangeArrowheads="1" noChangeShapeType="1" noTextEdit="1"/>
+          </p:cNvSpPr>
+          <p:nvPr>
+            <p:extLst>
+              <p:ext uri="{386F3935-93C4-4BCD-93E2-E3B085C9AB24}">
+                <p16:designElem xmlns:p16="http://schemas.microsoft.com/office/powerpoint/2015/main" val="1"/>
+              </p:ext>
+            </p:extLst>
+          </p:nvPr>
+        </p:nvSpPr>
+        <p:spPr>
+          <a:xfrm>
+            <a:off x="641774" y="623275"/>
+            <a:ext cx="10905053" cy="5607882"/>
+          </a:xfrm>
+          <a:prstGeom prst="rect">
+            <a:avLst/>
+          </a:prstGeom>
+          <a:noFill/>
+          <a:ln w="19050">
+            <a:noFill/>
+          </a:ln>
+        </p:spPr>
+        <p:style>
+          <a:lnRef idx="2">
+            <a:schemeClr val="accent1">
+              <a:shade val="50000"/>
+            </a:schemeClr>
+          </a:lnRef>
+          <a:fillRef idx="1">
+            <a:schemeClr val="accent1"/>
+          </a:fillRef>
+          <a:effectRef idx="0">
+            <a:schemeClr val="accent1"/>
+          </a:effectRef>
+          <a:fontRef idx="minor">
+            <a:schemeClr val="lt1"/>
+          </a:fontRef>
+        </p:style>
+        <p:txBody>
+          <a:bodyPr rtlCol="0" anchor="ctr"/>
+          <a:lstStyle/>
+          <a:p>
+            <a:pPr algn="ctr"/>
+            <a:endParaRPr lang="en-US"/>
+          </a:p>
+        </p:txBody>
+      </p:sp>
       <p:sp>
         <p:nvSpPr>
           <p:cNvPr id="2" name="Title 1">
@@ -3620,18 +5152,133 @@
             <p:ph type="title"/>
           </p:nvPr>
         </p:nvSpPr>
-        <p:spPr/>
-        <p:txBody>
-          <a:bodyPr/>
-          <a:lstStyle/>
-          <a:p>
-            <a:r>
-              <a:rPr lang="en-US" dirty="0"/>
+        <p:spPr>
+          <a:xfrm>
+            <a:off x="1006900" y="1188637"/>
+            <a:ext cx="2035079" cy="4480726"/>
+          </a:xfrm>
+        </p:spPr>
+        <p:txBody>
+          <a:bodyPr>
+            <a:normAutofit/>
+          </a:bodyPr>
+          <a:lstStyle/>
+          <a:p>
+            <a:pPr algn="r"/>
+            <a:r>
+              <a:rPr lang="en-US" sz="4800" dirty="0"/>
               <a:t>Project Goals</a:t>
             </a:r>
           </a:p>
         </p:txBody>
       </p:sp>
+      <p:cxnSp>
+        <p:nvCxnSpPr>
+          <p:cNvPr id="16" name="Straight Connector 15">
+            <a:extLst>
+              <a:ext uri="{FF2B5EF4-FFF2-40B4-BE49-F238E27FC236}">
+                <a16:creationId xmlns:a16="http://schemas.microsoft.com/office/drawing/2014/main" id="{23AAC9B5-8015-485C-ACF9-A750390E9A56}"/>
+              </a:ext>
+              <a:ext uri="{C183D7F6-B498-43B3-948B-1728B52AA6E4}">
+                <adec:decorative xmlns:adec="http://schemas.microsoft.com/office/drawing/2017/decorative" val="1"/>
+              </a:ext>
+            </a:extLst>
+          </p:cNvPr>
+          <p:cNvCxnSpPr>
+            <a:cxnSpLocks noGrp="1" noRot="1" noChangeAspect="1" noMove="1" noResize="1" noEditPoints="1" noAdjustHandles="1" noChangeArrowheads="1" noChangeShapeType="1"/>
+          </p:cNvCxnSpPr>
+          <p:nvPr>
+            <p:extLst>
+              <p:ext uri="{386F3935-93C4-4BCD-93E2-E3B085C9AB24}">
+                <p16:designElem xmlns:p16="http://schemas.microsoft.com/office/powerpoint/2015/main" val="1"/>
+              </p:ext>
+            </p:extLst>
+          </p:nvPr>
+        </p:nvCxnSpPr>
+        <p:spPr>
+          <a:xfrm>
+            <a:off x="4654296" y="1852863"/>
+            <a:ext cx="0" cy="3236495"/>
+          </a:xfrm>
+          <a:prstGeom prst="line">
+            <a:avLst/>
+          </a:prstGeom>
+          <a:ln w="19050" cap="sq">
+            <a:solidFill>
+              <a:schemeClr val="tx1">
+                <a:lumMod val="75000"/>
+                <a:lumOff val="25000"/>
+              </a:schemeClr>
+            </a:solidFill>
+          </a:ln>
+        </p:spPr>
+        <p:style>
+          <a:lnRef idx="1">
+            <a:schemeClr val="accent1"/>
+          </a:lnRef>
+          <a:fillRef idx="0">
+            <a:schemeClr val="accent1"/>
+          </a:fillRef>
+          <a:effectRef idx="0">
+            <a:schemeClr val="accent1"/>
+          </a:effectRef>
+          <a:fontRef idx="minor">
+            <a:schemeClr val="tx1"/>
+          </a:fontRef>
+        </p:style>
+      </p:cxnSp>
+      <p:sp>
+        <p:nvSpPr>
+          <p:cNvPr id="5" name="Rectangle 4">
+            <a:extLst>
+              <a:ext uri="{FF2B5EF4-FFF2-40B4-BE49-F238E27FC236}">
+                <a16:creationId xmlns:a16="http://schemas.microsoft.com/office/drawing/2014/main" id="{44B1ED8A-A1A8-8D48-8B44-E57672061A9B}"/>
+              </a:ext>
+            </a:extLst>
+          </p:cNvPr>
+          <p:cNvSpPr/>
+          <p:nvPr/>
+        </p:nvSpPr>
+        <p:spPr>
+          <a:xfrm>
+            <a:off x="4581939" y="1779104"/>
+            <a:ext cx="208722" cy="3518453"/>
+          </a:xfrm>
+          <a:prstGeom prst="rect">
+            <a:avLst/>
+          </a:prstGeom>
+          <a:solidFill>
+            <a:schemeClr val="bg1"/>
+          </a:solidFill>
+          <a:ln>
+            <a:noFill/>
+          </a:ln>
+        </p:spPr>
+        <p:style>
+          <a:lnRef idx="2">
+            <a:schemeClr val="accent1">
+              <a:shade val="50000"/>
+            </a:schemeClr>
+          </a:lnRef>
+          <a:fillRef idx="1">
+            <a:schemeClr val="accent1"/>
+          </a:fillRef>
+          <a:effectRef idx="0">
+            <a:schemeClr val="accent1"/>
+          </a:effectRef>
+          <a:fontRef idx="minor">
+            <a:schemeClr val="lt1"/>
+          </a:fontRef>
+        </p:style>
+        <p:txBody>
+          <a:bodyPr rtlCol="0" anchor="ctr"/>
+          <a:lstStyle/>
+          <a:p>
+            <a:pPr algn="ctr"/>
+            <a:endParaRPr lang="en-US"/>
+          </a:p>
+        </p:txBody>
+      </p:sp>
       <p:sp>
         <p:nvSpPr>
           <p:cNvPr id="3" name="Content Placeholder 2">
@@ -3648,15 +5295,147 @@
             <p:ph idx="1"/>
           </p:nvPr>
         </p:nvSpPr>
-        <p:spPr/>
-        <p:txBody>
-          <a:bodyPr/>
-          <a:lstStyle/>
-          <a:p>
-            <a:endParaRPr lang="en-US"/>
-          </a:p>
-        </p:txBody>
-      </p:sp>
+        <p:spPr>
+          <a:xfrm>
+            <a:off x="3820677" y="1336945"/>
+            <a:ext cx="6947452" cy="4180542"/>
+          </a:xfrm>
+        </p:spPr>
+        <p:txBody>
+          <a:bodyPr anchor="ctr">
+            <a:normAutofit/>
+          </a:bodyPr>
+          <a:lstStyle/>
+          <a:p>
+            <a:r>
+              <a:rPr lang="en-US" sz="1500" dirty="0"/>
+              <a:t>Create an eDNA sequence processing pipeline that is effective, modular, and reproducible for other projects</a:t>
+            </a:r>
+          </a:p>
+          <a:p>
+            <a:pPr lvl="1"/>
+            <a:r>
+              <a:rPr lang="en-US" sz="1500" dirty="0"/>
+              <a:t>Including different primers or fieldwork sampling strategies</a:t>
+            </a:r>
+          </a:p>
+          <a:p>
+            <a:pPr lvl="1"/>
+            <a:endParaRPr lang="en-US" sz="1500" dirty="0"/>
+          </a:p>
+          <a:p>
+            <a:r>
+              <a:rPr lang="en-US" sz="1500" dirty="0"/>
+              <a:t>Sequencing reads from Illumina </a:t>
+            </a:r>
+            <a:r>
+              <a:rPr lang="en-US" sz="1500" dirty="0" err="1"/>
+              <a:t>MiSeq</a:t>
+            </a:r>
+            <a:r>
+              <a:rPr lang="en-US" sz="1500" dirty="0"/>
+              <a:t> platform will need to be:</a:t>
+            </a:r>
+          </a:p>
+          <a:p>
+            <a:pPr marL="914400" lvl="1" indent="-457200">
+              <a:buFont typeface="+mj-lt"/>
+              <a:buAutoNum type="arabicPeriod"/>
+            </a:pPr>
+            <a:r>
+              <a:rPr lang="en-US" sz="1500" dirty="0"/>
+              <a:t>Demultiplexed</a:t>
+            </a:r>
+          </a:p>
+          <a:p>
+            <a:pPr marL="914400" lvl="1" indent="-457200">
+              <a:buFont typeface="+mj-lt"/>
+              <a:buAutoNum type="arabicPeriod"/>
+            </a:pPr>
+            <a:r>
+              <a:rPr lang="en-US" sz="1500" dirty="0"/>
+              <a:t>Primer sequences removed</a:t>
+            </a:r>
+          </a:p>
+          <a:p>
+            <a:pPr marL="914400" lvl="1" indent="-457200">
+              <a:buFont typeface="+mj-lt"/>
+              <a:buAutoNum type="arabicPeriod"/>
+            </a:pPr>
+            <a:r>
+              <a:rPr lang="en-US" sz="1500" dirty="0"/>
+              <a:t>Remove singleton reads or reads with high expected error rates</a:t>
+            </a:r>
+          </a:p>
+          <a:p>
+            <a:pPr marL="914400" lvl="1" indent="-457200">
+              <a:buFont typeface="+mj-lt"/>
+              <a:buAutoNum type="arabicPeriod"/>
+            </a:pPr>
+            <a:r>
+              <a:rPr lang="en-US" sz="1500" dirty="0"/>
+              <a:t>Group remaining reads into Operational Taxonomic Units (OTUs)</a:t>
+            </a:r>
+          </a:p>
+          <a:p>
+            <a:pPr marL="914400" lvl="1" indent="-457200">
+              <a:buFont typeface="+mj-lt"/>
+              <a:buAutoNum type="arabicPeriod"/>
+            </a:pPr>
+            <a:r>
+              <a:rPr lang="en-US" sz="1500" dirty="0"/>
+              <a:t>*Align OTUs with published invertebrate COI fragments*</a:t>
+            </a:r>
+          </a:p>
+          <a:p>
+            <a:r>
+              <a:rPr lang="en-US" sz="1500" dirty="0"/>
+              <a:t>Utilize published R scripts for completing these tasks</a:t>
+            </a:r>
+          </a:p>
+        </p:txBody>
+      </p:sp>
+      <p:cxnSp>
+        <p:nvCxnSpPr>
+          <p:cNvPr id="7" name="Straight Connector 6">
+            <a:extLst>
+              <a:ext uri="{FF2B5EF4-FFF2-40B4-BE49-F238E27FC236}">
+                <a16:creationId xmlns:a16="http://schemas.microsoft.com/office/drawing/2014/main" id="{8C1B41D7-6959-C048-90B9-501169B59652}"/>
+              </a:ext>
+            </a:extLst>
+          </p:cNvPr>
+          <p:cNvCxnSpPr/>
+          <p:nvPr/>
+        </p:nvCxnSpPr>
+        <p:spPr>
+          <a:xfrm>
+            <a:off x="3407105" y="1451113"/>
+            <a:ext cx="0" cy="3846444"/>
+          </a:xfrm>
+          <a:prstGeom prst="line">
+            <a:avLst/>
+          </a:prstGeom>
+          <a:ln w="12700">
+            <a:solidFill>
+              <a:schemeClr val="tx1"/>
+            </a:solidFill>
+          </a:ln>
+        </p:spPr>
+        <p:style>
+          <a:lnRef idx="1">
+            <a:schemeClr val="accent1"/>
+          </a:lnRef>
+          <a:fillRef idx="0">
+            <a:schemeClr val="accent1"/>
+          </a:fillRef>
+          <a:effectRef idx="0">
+            <a:schemeClr val="accent1"/>
+          </a:effectRef>
+          <a:fontRef idx="minor">
+            <a:schemeClr val="tx1"/>
+          </a:fontRef>
+        </p:style>
+      </p:cxnSp>
     </p:spTree>
     <p:extLst>
       <p:ext uri="{BB962C8B-B14F-4D97-AF65-F5344CB8AC3E}">
@@ -3715,31 +5494,264 @@
           </a:p>
         </p:txBody>
       </p:sp>
-      <p:sp>
-        <p:nvSpPr>
-          <p:cNvPr id="3" name="Content Placeholder 2">
-            <a:extLst>
-              <a:ext uri="{FF2B5EF4-FFF2-40B4-BE49-F238E27FC236}">
-                <a16:creationId xmlns:a16="http://schemas.microsoft.com/office/drawing/2014/main" id="{988800D9-9B5C-FB46-B376-8E464AEB9315}"/>
-              </a:ext>
-            </a:extLst>
-          </p:cNvPr>
-          <p:cNvSpPr>
-            <a:spLocks noGrp="1"/>
-          </p:cNvSpPr>
+      <p:graphicFrame>
+        <p:nvGraphicFramePr>
+          <p:cNvPr id="4" name="Table 4">
+            <a:extLst>
+              <a:ext uri="{FF2B5EF4-FFF2-40B4-BE49-F238E27FC236}">
+                <a16:creationId xmlns:a16="http://schemas.microsoft.com/office/drawing/2014/main" id="{E8543014-8895-4748-A8B1-11957F61A74D}"/>
+              </a:ext>
+            </a:extLst>
+          </p:cNvPr>
+          <p:cNvGraphicFramePr>
+            <a:graphicFrameLocks noGrp="1"/>
+          </p:cNvGraphicFramePr>
           <p:nvPr>
             <p:ph idx="1"/>
-          </p:nvPr>
-        </p:nvSpPr>
-        <p:spPr/>
-        <p:txBody>
-          <a:bodyPr/>
-          <a:lstStyle/>
-          <a:p>
-            <a:endParaRPr lang="en-US"/>
-          </a:p>
-        </p:txBody>
-      </p:sp>
+            <p:extLst>
+              <p:ext uri="{D42A27DB-BD31-4B8C-83A1-F6EECF244321}">
+                <p14:modId xmlns:p14="http://schemas.microsoft.com/office/powerpoint/2010/main" val="3184961392"/>
+              </p:ext>
+            </p:extLst>
+          </p:nvPr>
+        </p:nvGraphicFramePr>
+        <p:xfrm>
+          <a:off x="838200" y="1825624"/>
+          <a:ext cx="10515600" cy="3326019"/>
+        </p:xfrm>
+        <a:graphic>
+          <a:graphicData uri="http://schemas.openxmlformats.org/drawingml/2006/table">
+            <a:tbl>
+              <a:tblPr firstRow="1" bandRow="1">
+                <a:tableStyleId>{5C22544A-7EE6-4342-B048-85BDC9FD1C3A}</a:tableStyleId>
+              </a:tblPr>
+              <a:tblGrid>
+                <a:gridCol w="5257800">
+                  <a:extLst>
+                    <a:ext uri="{9D8B030D-6E8A-4147-A177-3AD203B41FA5}">
+                      <a16:colId xmlns:a16="http://schemas.microsoft.com/office/drawing/2014/main" val="1956184790"/>
+                    </a:ext>
+                  </a:extLst>
+                </a:gridCol>
+                <a:gridCol w="5257800">
+                  <a:extLst>
+                    <a:ext uri="{9D8B030D-6E8A-4147-A177-3AD203B41FA5}">
+                      <a16:colId xmlns:a16="http://schemas.microsoft.com/office/drawing/2014/main" val="3810368237"/>
+                    </a:ext>
+                  </a:extLst>
+                </a:gridCol>
+              </a:tblGrid>
+              <a:tr h="420619">
+                <a:tc>
+                  <a:txBody>
+                    <a:bodyPr/>
+                    <a:lstStyle/>
+                    <a:p>
+                      <a:r>
+                        <a:rPr lang="en-US" dirty="0"/>
+                        <a:t>Anticipated Challenge</a:t>
+                      </a:r>
+                    </a:p>
+                  </a:txBody>
+                  <a:tcPr/>
+                </a:tc>
+                <a:tc>
+                  <a:txBody>
+                    <a:bodyPr/>
+                    <a:lstStyle/>
+                    <a:p>
+                      <a:r>
+                        <a:rPr lang="en-US" dirty="0"/>
+                        <a:t>Possible Solution</a:t>
+                      </a:r>
+                    </a:p>
+                  </a:txBody>
+                  <a:tcPr/>
+                </a:tc>
+                <a:extLst>
+                  <a:ext uri="{0D108BD9-81ED-4DB2-BD59-A6C34878D82A}">
+                    <a16:rowId xmlns:a16="http://schemas.microsoft.com/office/drawing/2014/main" val="3246564193"/>
+                  </a:ext>
+                </a:extLst>
+              </a:tr>
+              <a:tr h="726350">
+                <a:tc>
+                  <a:txBody>
+                    <a:bodyPr/>
+                    <a:lstStyle/>
+                    <a:p>
+                      <a:r>
+                        <a:rPr lang="en-US" dirty="0"/>
+                        <a:t>Not receiving sequencing data in time</a:t>
+                      </a:r>
+                    </a:p>
+                  </a:txBody>
+                  <a:tcPr/>
+                </a:tc>
+                <a:tc>
+                  <a:txBody>
+                    <a:bodyPr/>
+                    <a:lstStyle/>
+                    <a:p>
+                      <a:r>
+                        <a:rPr lang="en-US" dirty="0"/>
+                        <a:t>Find and use a different dataset (where to find this?)</a:t>
+                      </a:r>
+                    </a:p>
+                  </a:txBody>
+                  <a:tcPr/>
+                </a:tc>
+                <a:extLst>
+                  <a:ext uri="{0D108BD9-81ED-4DB2-BD59-A6C34878D82A}">
+                    <a16:rowId xmlns:a16="http://schemas.microsoft.com/office/drawing/2014/main" val="628538034"/>
+                  </a:ext>
+                </a:extLst>
+              </a:tr>
+              <a:tr h="726350">
+                <a:tc>
+                  <a:txBody>
+                    <a:bodyPr/>
+                    <a:lstStyle/>
+                    <a:p>
+                      <a:pPr marL="0" marR="0" lvl="0" indent="0" algn="l" defTabSz="914400" rtl="0" eaLnBrk="1" fontAlgn="auto" latinLnBrk="0" hangingPunct="1">
+                        <a:lnSpc>
+                          <a:spcPct val="100000"/>
+                        </a:lnSpc>
+                        <a:spcBef>
+                          <a:spcPts val="0"/>
+                        </a:spcBef>
+                        <a:spcAft>
+                          <a:spcPts val="0"/>
+                        </a:spcAft>
+                        <a:buClrTx/>
+                        <a:buSzTx/>
+                        <a:buFontTx/>
+                        <a:buNone/>
+                        <a:tabLst/>
+                        <a:defRPr/>
+                      </a:pPr>
+                      <a:r>
+                        <a:rPr lang="en-US" dirty="0"/>
+                        <a:t>Creating a new pipeline from scratch</a:t>
+                      </a:r>
+                    </a:p>
+                    <a:p>
+                      <a:endParaRPr lang="en-US" dirty="0"/>
+                    </a:p>
+                  </a:txBody>
+                  <a:tcPr/>
+                </a:tc>
+                <a:tc>
+                  <a:txBody>
+                    <a:bodyPr/>
+                    <a:lstStyle/>
+                    <a:p>
+                      <a:r>
+                        <a:rPr lang="en-US" dirty="0"/>
+                        <a:t>Understand what each section of the pipeline </a:t>
+                      </a:r>
+                      <a:r>
+                        <a:rPr lang="en-US"/>
+                        <a:t>is doing, don’t just plug and play</a:t>
+                      </a:r>
+                      <a:endParaRPr lang="en-US" dirty="0"/>
+                    </a:p>
+                  </a:txBody>
+                  <a:tcPr/>
+                </a:tc>
+                <a:extLst>
+                  <a:ext uri="{0D108BD9-81ED-4DB2-BD59-A6C34878D82A}">
+                    <a16:rowId xmlns:a16="http://schemas.microsoft.com/office/drawing/2014/main" val="47138832"/>
+                  </a:ext>
+                </a:extLst>
+              </a:tr>
+              <a:tr h="726350">
+                <a:tc>
+                  <a:txBody>
+                    <a:bodyPr/>
+                    <a:lstStyle/>
+                    <a:p>
+                      <a:r>
+                        <a:rPr lang="en-US" dirty="0"/>
+                        <a:t>Not bogged down with “practice” scripts and output files</a:t>
+                      </a:r>
+                    </a:p>
+                  </a:txBody>
+                  <a:tcPr/>
+                </a:tc>
+                <a:tc>
+                  <a:txBody>
+                    <a:bodyPr/>
+                    <a:lstStyle/>
+                    <a:p>
+                      <a:r>
+                        <a:rPr lang="en-US" dirty="0"/>
+                        <a:t>Intentional and organized data management </a:t>
+                      </a:r>
+                    </a:p>
+                  </a:txBody>
+                  <a:tcPr/>
+                </a:tc>
+                <a:extLst>
+                  <a:ext uri="{0D108BD9-81ED-4DB2-BD59-A6C34878D82A}">
+                    <a16:rowId xmlns:a16="http://schemas.microsoft.com/office/drawing/2014/main" val="85293004"/>
+                  </a:ext>
+                </a:extLst>
+              </a:tr>
+              <a:tr h="726350">
+                <a:tc>
+                  <a:txBody>
+                    <a:bodyPr/>
+                    <a:lstStyle/>
+                    <a:p>
+                      <a:r>
+                        <a:rPr lang="en-US" dirty="0"/>
+                        <a:t>Creating something that is intelligible to other collaborators/advisors/mentees</a:t>
+                      </a:r>
+                    </a:p>
+                  </a:txBody>
+                  <a:tcPr/>
+                </a:tc>
+                <a:tc>
+                  <a:txBody>
+                    <a:bodyPr/>
+                    <a:lstStyle/>
+                    <a:p>
+                      <a:pPr marL="0" marR="0" lvl="0" indent="0" algn="l" defTabSz="914400" rtl="0" eaLnBrk="1" fontAlgn="auto" latinLnBrk="0" hangingPunct="1">
+                        <a:lnSpc>
+                          <a:spcPct val="100000"/>
+                        </a:lnSpc>
+                        <a:spcBef>
+                          <a:spcPts val="0"/>
+                        </a:spcBef>
+                        <a:spcAft>
+                          <a:spcPts val="0"/>
+                        </a:spcAft>
+                        <a:buClrTx/>
+                        <a:buSzTx/>
+                        <a:buFontTx/>
+                        <a:buNone/>
+                        <a:tabLst/>
+                        <a:defRPr/>
+                      </a:pPr>
+                      <a:r>
+                        <a:rPr lang="en-US" dirty="0"/>
+                        <a:t>Take the time to comment and deliberately structure the code/pipeline</a:t>
+                      </a:r>
+                    </a:p>
+                  </a:txBody>
+                  <a:tcPr/>
+                </a:tc>
+                <a:extLst>
+                  <a:ext uri="{0D108BD9-81ED-4DB2-BD59-A6C34878D82A}">
+                    <a16:rowId xmlns:a16="http://schemas.microsoft.com/office/drawing/2014/main" val="811355580"/>
+                  </a:ext>
+                </a:extLst>
+              </a:tr>
+            </a:tbl>
+          </a:graphicData>
+        </a:graphic>
+      </p:graphicFrame>
     </p:spTree>
     <p:extLst>
       <p:ext uri="{BB962C8B-B14F-4D97-AF65-F5344CB8AC3E}">
